--- a/database/클라이언트 디비 계획서 (20.08.23).pptx
+++ b/database/클라이언트 디비 계획서 (20.08.23).pptx
@@ -5,16 +5,17 @@
     <p:sldMasterId id="2147483648" r:id="rId1"/>
   </p:sldMasterIdLst>
   <p:notesMasterIdLst>
-    <p:notesMasterId r:id="rId9"/>
+    <p:notesMasterId r:id="rId10"/>
   </p:notesMasterIdLst>
   <p:sldIdLst>
     <p:sldId id="262" r:id="rId2"/>
-    <p:sldId id="256" r:id="rId3"/>
-    <p:sldId id="257" r:id="rId4"/>
-    <p:sldId id="260" r:id="rId5"/>
-    <p:sldId id="259" r:id="rId6"/>
-    <p:sldId id="261" r:id="rId7"/>
-    <p:sldId id="258" r:id="rId8"/>
+    <p:sldId id="263" r:id="rId3"/>
+    <p:sldId id="256" r:id="rId4"/>
+    <p:sldId id="257" r:id="rId5"/>
+    <p:sldId id="260" r:id="rId6"/>
+    <p:sldId id="259" r:id="rId7"/>
+    <p:sldId id="261" r:id="rId8"/>
+    <p:sldId id="258" r:id="rId9"/>
   </p:sldIdLst>
   <p:sldSz cx="12192000" cy="6858000"/>
   <p:notesSz cx="6858000" cy="9144000"/>
@@ -203,7 +204,7 @@
           <a:p>
             <a:fld id="{5ED27A7B-E0B4-1040-9517-FE85F068F9D7}" type="datetimeFigureOut">
               <a:rPr kumimoji="1" lang="ko-KR" altLang="en-US" smtClean="0"/>
-              <a:t>2020. 8. 24.</a:t>
+              <a:t>2021. 4. 13.</a:t>
             </a:fld>
             <a:endParaRPr kumimoji="1" lang="ko-KR" altLang="en-US"/>
           </a:p>
@@ -535,7 +536,7 @@
           <a:p>
             <a:fld id="{43CED052-5DEC-FA40-8CDC-DE28164BE0C2}" type="slidenum">
               <a:rPr kumimoji="1" lang="ko-KR" altLang="en-US" smtClean="0"/>
-              <a:t>7</a:t>
+              <a:t>8</a:t>
             </a:fld>
             <a:endParaRPr kumimoji="1" lang="ko-KR" altLang="en-US"/>
           </a:p>
@@ -701,7 +702,7 @@
           <a:p>
             <a:fld id="{82C06AE7-8814-CC47-8ACE-86278ABFB9B0}" type="datetimeFigureOut">
               <a:rPr kumimoji="1" lang="ko-KR" altLang="en-US" smtClean="0"/>
-              <a:t>2020. 8. 24.</a:t>
+              <a:t>2021. 4. 13.</a:t>
             </a:fld>
             <a:endParaRPr kumimoji="1" lang="ko-KR" altLang="en-US"/>
           </a:p>
@@ -899,7 +900,7 @@
           <a:p>
             <a:fld id="{82C06AE7-8814-CC47-8ACE-86278ABFB9B0}" type="datetimeFigureOut">
               <a:rPr kumimoji="1" lang="ko-KR" altLang="en-US" smtClean="0"/>
-              <a:t>2020. 8. 24.</a:t>
+              <a:t>2021. 4. 13.</a:t>
             </a:fld>
             <a:endParaRPr kumimoji="1" lang="ko-KR" altLang="en-US"/>
           </a:p>
@@ -1107,7 +1108,7 @@
           <a:p>
             <a:fld id="{82C06AE7-8814-CC47-8ACE-86278ABFB9B0}" type="datetimeFigureOut">
               <a:rPr kumimoji="1" lang="ko-KR" altLang="en-US" smtClean="0"/>
-              <a:t>2020. 8. 24.</a:t>
+              <a:t>2021. 4. 13.</a:t>
             </a:fld>
             <a:endParaRPr kumimoji="1" lang="ko-KR" altLang="en-US"/>
           </a:p>
@@ -1305,7 +1306,7 @@
           <a:p>
             <a:fld id="{82C06AE7-8814-CC47-8ACE-86278ABFB9B0}" type="datetimeFigureOut">
               <a:rPr kumimoji="1" lang="ko-KR" altLang="en-US" smtClean="0"/>
-              <a:t>2020. 8. 24.</a:t>
+              <a:t>2021. 4. 13.</a:t>
             </a:fld>
             <a:endParaRPr kumimoji="1" lang="ko-KR" altLang="en-US"/>
           </a:p>
@@ -1580,7 +1581,7 @@
           <a:p>
             <a:fld id="{82C06AE7-8814-CC47-8ACE-86278ABFB9B0}" type="datetimeFigureOut">
               <a:rPr kumimoji="1" lang="ko-KR" altLang="en-US" smtClean="0"/>
-              <a:t>2020. 8. 24.</a:t>
+              <a:t>2021. 4. 13.</a:t>
             </a:fld>
             <a:endParaRPr kumimoji="1" lang="ko-KR" altLang="en-US"/>
           </a:p>
@@ -1845,7 +1846,7 @@
           <a:p>
             <a:fld id="{82C06AE7-8814-CC47-8ACE-86278ABFB9B0}" type="datetimeFigureOut">
               <a:rPr kumimoji="1" lang="ko-KR" altLang="en-US" smtClean="0"/>
-              <a:t>2020. 8. 24.</a:t>
+              <a:t>2021. 4. 13.</a:t>
             </a:fld>
             <a:endParaRPr kumimoji="1" lang="ko-KR" altLang="en-US"/>
           </a:p>
@@ -2257,7 +2258,7 @@
           <a:p>
             <a:fld id="{82C06AE7-8814-CC47-8ACE-86278ABFB9B0}" type="datetimeFigureOut">
               <a:rPr kumimoji="1" lang="ko-KR" altLang="en-US" smtClean="0"/>
-              <a:t>2020. 8. 24.</a:t>
+              <a:t>2021. 4. 13.</a:t>
             </a:fld>
             <a:endParaRPr kumimoji="1" lang="ko-KR" altLang="en-US"/>
           </a:p>
@@ -2398,7 +2399,7 @@
           <a:p>
             <a:fld id="{82C06AE7-8814-CC47-8ACE-86278ABFB9B0}" type="datetimeFigureOut">
               <a:rPr kumimoji="1" lang="ko-KR" altLang="en-US" smtClean="0"/>
-              <a:t>2020. 8. 24.</a:t>
+              <a:t>2021. 4. 13.</a:t>
             </a:fld>
             <a:endParaRPr kumimoji="1" lang="ko-KR" altLang="en-US"/>
           </a:p>
@@ -2511,7 +2512,7 @@
           <a:p>
             <a:fld id="{82C06AE7-8814-CC47-8ACE-86278ABFB9B0}" type="datetimeFigureOut">
               <a:rPr kumimoji="1" lang="ko-KR" altLang="en-US" smtClean="0"/>
-              <a:t>2020. 8. 24.</a:t>
+              <a:t>2021. 4. 13.</a:t>
             </a:fld>
             <a:endParaRPr kumimoji="1" lang="ko-KR" altLang="en-US"/>
           </a:p>
@@ -2822,7 +2823,7 @@
           <a:p>
             <a:fld id="{82C06AE7-8814-CC47-8ACE-86278ABFB9B0}" type="datetimeFigureOut">
               <a:rPr kumimoji="1" lang="ko-KR" altLang="en-US" smtClean="0"/>
-              <a:t>2020. 8. 24.</a:t>
+              <a:t>2021. 4. 13.</a:t>
             </a:fld>
             <a:endParaRPr kumimoji="1" lang="ko-KR" altLang="en-US"/>
           </a:p>
@@ -3110,7 +3111,7 @@
           <a:p>
             <a:fld id="{82C06AE7-8814-CC47-8ACE-86278ABFB9B0}" type="datetimeFigureOut">
               <a:rPr kumimoji="1" lang="ko-KR" altLang="en-US" smtClean="0"/>
-              <a:t>2020. 8. 24.</a:t>
+              <a:t>2021. 4. 13.</a:t>
             </a:fld>
             <a:endParaRPr kumimoji="1" lang="ko-KR" altLang="en-US"/>
           </a:p>
@@ -3351,7 +3352,7 @@
           <a:p>
             <a:fld id="{82C06AE7-8814-CC47-8ACE-86278ABFB9B0}" type="datetimeFigureOut">
               <a:rPr kumimoji="1" lang="ko-KR" altLang="en-US" smtClean="0"/>
-              <a:t>2020. 8. 24.</a:t>
+              <a:t>2021. 4. 13.</a:t>
             </a:fld>
             <a:endParaRPr kumimoji="1" lang="ko-KR" altLang="en-US"/>
           </a:p>
@@ -3786,7 +3787,7 @@
         </p:nvSpPr>
         <p:spPr>
           <a:xfrm>
-            <a:off x="1235528" y="1660525"/>
+            <a:off x="1235528" y="1682297"/>
             <a:ext cx="9720943" cy="1365704"/>
           </a:xfrm>
         </p:spPr>
@@ -3796,19 +3797,13 @@
           </a:bodyPr>
           <a:lstStyle/>
           <a:p>
-            <a:r>
-              <a:rPr kumimoji="1" lang="ko-KR" altLang="en-US" sz="3000" b="1" dirty="0" err="1">
-                <a:latin typeface="NanumGothic" panose="020D0604000000000000" pitchFamily="34" charset="-127"/>
-                <a:ea typeface="NanumGothic" panose="020D0604000000000000" pitchFamily="34" charset="-127"/>
-              </a:rPr>
-              <a:t>캡스톤</a:t>
-            </a:r>
+            <a:pPr algn="ctr"/>
             <a:r>
               <a:rPr kumimoji="1" lang="ko-KR" altLang="en-US" sz="3000" b="1" dirty="0">
                 <a:latin typeface="NanumGothic" panose="020D0604000000000000" pitchFamily="34" charset="-127"/>
                 <a:ea typeface="NanumGothic" panose="020D0604000000000000" pitchFamily="34" charset="-127"/>
               </a:rPr>
-              <a:t> 디자인 사용자 웹 페이지 </a:t>
+              <a:t>클라이언트 웹 페이지 </a:t>
             </a:r>
             <a:r>
               <a:rPr kumimoji="1" lang="en-US" altLang="ko-KR" sz="3000" b="1" dirty="0">
@@ -3824,6 +3819,29 @@
               </a:rPr>
               <a:t>계획서</a:t>
             </a:r>
+            <a:br>
+              <a:rPr kumimoji="1" lang="en-US" altLang="ko-KR" sz="3000" b="1" dirty="0">
+                <a:latin typeface="NanumGothic" panose="020D0604000000000000" pitchFamily="34" charset="-127"/>
+                <a:ea typeface="NanumGothic" panose="020D0604000000000000" pitchFamily="34" charset="-127"/>
+              </a:rPr>
+            </a:br>
+            <a:br>
+              <a:rPr kumimoji="1" lang="en-US" altLang="ko-KR" sz="3000" b="1" dirty="0">
+                <a:latin typeface="NanumGothic" panose="020D0604000000000000" pitchFamily="34" charset="-127"/>
+                <a:ea typeface="NanumGothic" panose="020D0604000000000000" pitchFamily="34" charset="-127"/>
+              </a:rPr>
+            </a:br>
+            <a:r>
+              <a:rPr kumimoji="1" lang="en-US" altLang="ko-KR" sz="3000" b="1" dirty="0">
+                <a:latin typeface="NanumGothic" panose="020D0604000000000000" pitchFamily="34" charset="-127"/>
+                <a:ea typeface="NanumGothic" panose="020D0604000000000000" pitchFamily="34" charset="-127"/>
+              </a:rPr>
+              <a:t>2021.04.13</a:t>
+            </a:r>
+            <a:endParaRPr kumimoji="1" lang="ko-KR" altLang="en-US" sz="3000" b="1" dirty="0">
+              <a:latin typeface="NanumGothic" panose="020D0604000000000000" pitchFamily="34" charset="-127"/>
+              <a:ea typeface="NanumGothic" panose="020D0604000000000000" pitchFamily="34" charset="-127"/>
+            </a:endParaRPr>
           </a:p>
         </p:txBody>
       </p:sp>
@@ -3940,36 +3958,147 @@
           <a:chExt cx="0" cy="0"/>
         </a:xfrm>
       </p:grpSpPr>
-      <p:pic>
-        <p:nvPicPr>
-          <p:cNvPr id="5" name="그림 4" descr="스크린샷이(가) 표시된 사진&#10;&#10;자동 생성된 설명">
+      <p:sp>
+        <p:nvSpPr>
+          <p:cNvPr id="2" name="제목 1">
             <a:extLst>
               <a:ext uri="{FF2B5EF4-FFF2-40B4-BE49-F238E27FC236}">
-                <a16:creationId xmlns:a16="http://schemas.microsoft.com/office/drawing/2014/main" id="{2D648550-6735-A745-B744-A23EAB1E3DD2}"/>
+                <a16:creationId xmlns:a16="http://schemas.microsoft.com/office/drawing/2014/main" id="{5F436072-0A7F-3346-9FC9-BE5F82BC32A2}"/>
               </a:ext>
             </a:extLst>
           </p:cNvPr>
-          <p:cNvPicPr>
-            <a:picLocks noChangeAspect="1"/>
-          </p:cNvPicPr>
-          <p:nvPr/>
-        </p:nvPicPr>
-        <p:blipFill>
-          <a:blip r:embed="rId2"/>
-          <a:stretch>
-            <a:fillRect/>
-          </a:stretch>
-        </p:blipFill>
+          <p:cNvSpPr>
+            <a:spLocks noGrp="1"/>
+          </p:cNvSpPr>
+          <p:nvPr>
+            <p:ph type="title"/>
+          </p:nvPr>
+        </p:nvSpPr>
         <p:spPr>
           <a:xfrm>
-            <a:off x="189820" y="1257300"/>
-            <a:ext cx="4495800" cy="4343400"/>
+            <a:off x="395287" y="400051"/>
+            <a:ext cx="2775857" cy="945018"/>
+          </a:xfrm>
+        </p:spPr>
+        <p:txBody>
+          <a:bodyPr>
+            <a:normAutofit/>
+          </a:bodyPr>
+          <a:lstStyle/>
+          <a:p>
+            <a:r>
+              <a:rPr kumimoji="1" lang="ko-Kore-KR" altLang="en-US" sz="2400" b="1" dirty="0"/>
+              <a:t>전체</a:t>
+            </a:r>
+            <a:r>
+              <a:rPr kumimoji="1" lang="ko-KR" altLang="en-US" sz="2400" b="1" dirty="0"/>
+              <a:t> 페이지 개요</a:t>
+            </a:r>
+            <a:br>
+              <a:rPr kumimoji="1" lang="en-US" altLang="ko-KR" sz="2400" b="1" dirty="0"/>
+            </a:br>
+            <a:endParaRPr kumimoji="1" lang="ko-Kore-KR" altLang="en-US" sz="2400" b="1" dirty="0"/>
+          </a:p>
+        </p:txBody>
+      </p:sp>
+      <p:sp>
+        <p:nvSpPr>
+          <p:cNvPr id="6" name="TextBox 5">
+            <a:extLst>
+              <a:ext uri="{FF2B5EF4-FFF2-40B4-BE49-F238E27FC236}">
+                <a16:creationId xmlns:a16="http://schemas.microsoft.com/office/drawing/2014/main" id="{0F1EB6DE-87F2-8341-A21E-A7AD5992F7B0}"/>
+              </a:ext>
+            </a:extLst>
+          </p:cNvPr>
+          <p:cNvSpPr txBox="1"/>
+          <p:nvPr/>
+        </p:nvSpPr>
+        <p:spPr>
+          <a:xfrm>
+            <a:off x="983957" y="1345069"/>
+            <a:ext cx="1598515" cy="1477328"/>
           </a:xfrm>
           <a:prstGeom prst="rect">
             <a:avLst/>
           </a:prstGeom>
+          <a:noFill/>
         </p:spPr>
-      </p:pic>
+        <p:txBody>
+          <a:bodyPr wrap="none" rtlCol="0">
+            <a:spAutoFit/>
+          </a:bodyPr>
+          <a:lstStyle/>
+          <a:p>
+            <a:r>
+              <a:rPr kumimoji="1" lang="en-US" altLang="ko-KR" b="1" dirty="0"/>
+              <a:t>- </a:t>
+            </a:r>
+            <a:r>
+              <a:rPr kumimoji="1" lang="ko-KR" altLang="en-US" b="1" dirty="0"/>
+              <a:t>로그인</a:t>
+            </a:r>
+            <a:br>
+              <a:rPr kumimoji="1" lang="en-US" altLang="ko-KR" b="1" dirty="0"/>
+            </a:br>
+            <a:br>
+              <a:rPr kumimoji="1" lang="en-US" altLang="ko-KR" b="1" dirty="0"/>
+            </a:br>
+            <a:r>
+              <a:rPr kumimoji="1" lang="en-US" altLang="ko-KR" b="1" dirty="0"/>
+              <a:t>-</a:t>
+            </a:r>
+            <a:r>
+              <a:rPr kumimoji="1" lang="ko-KR" altLang="en-US" b="1" dirty="0"/>
+              <a:t> 전체 페이지</a:t>
+            </a:r>
+            <a:br>
+              <a:rPr kumimoji="1" lang="en-US" altLang="ko-KR" b="1" dirty="0"/>
+            </a:br>
+            <a:br>
+              <a:rPr kumimoji="1" lang="en-US" altLang="ko-KR" b="1" dirty="0"/>
+            </a:br>
+            <a:r>
+              <a:rPr kumimoji="1" lang="en-US" altLang="ko-KR" b="1" dirty="0"/>
+              <a:t>-</a:t>
+            </a:r>
+            <a:r>
+              <a:rPr kumimoji="1" lang="ko-KR" altLang="en-US" b="1" dirty="0"/>
+              <a:t> 상세 기능</a:t>
+            </a:r>
+            <a:endParaRPr kumimoji="1" lang="ko-Kore-KR" altLang="en-US" dirty="0"/>
+          </a:p>
+        </p:txBody>
+      </p:sp>
+    </p:spTree>
+    <p:extLst>
+      <p:ext uri="{BB962C8B-B14F-4D97-AF65-F5344CB8AC3E}">
+        <p14:creationId xmlns:p14="http://schemas.microsoft.com/office/powerpoint/2010/main" val="1294528984"/>
+      </p:ext>
+    </p:extLst>
+  </p:cSld>
+  <p:clrMapOvr>
+    <a:masterClrMapping/>
+  </p:clrMapOvr>
+</p:sld>
+</file>
+
+<file path=ppt/slides/slide3.xml><?xml version="1.0" encoding="utf-8"?>
+<p:sld xmlns:a="http://schemas.openxmlformats.org/drawingml/2006/main" xmlns:r="http://schemas.openxmlformats.org/officeDocument/2006/relationships" xmlns:p="http://schemas.openxmlformats.org/presentationml/2006/main">
+  <p:cSld>
+    <p:spTree>
+      <p:nvGrpSpPr>
+        <p:cNvPr id="1" name=""/>
+        <p:cNvGrpSpPr/>
+        <p:nvPr/>
+      </p:nvGrpSpPr>
+      <p:grpSpPr>
+        <a:xfrm>
+          <a:off x="0" y="0"/>
+          <a:ext cx="0" cy="0"/>
+          <a:chOff x="0" y="0"/>
+          <a:chExt cx="0" cy="0"/>
+        </a:xfrm>
+      </p:grpSpPr>
       <p:sp>
         <p:nvSpPr>
           <p:cNvPr id="6" name="TextBox 5">
@@ -4303,7 +4432,7 @@
           <p:nvPr>
             <p:extLst>
               <p:ext uri="{D42A27DB-BD31-4B8C-83A1-F6EECF244321}">
-                <p14:modId xmlns:p14="http://schemas.microsoft.com/office/powerpoint/2010/main" val="2817306239"/>
+                <p14:modId xmlns:p14="http://schemas.microsoft.com/office/powerpoint/2010/main" val="384035990"/>
               </p:ext>
             </p:extLst>
           </p:nvPr>
@@ -4350,7 +4479,7 @@
                       <a:pPr algn="ctr" latinLnBrk="1"/>
                       <a:r>
                         <a:rPr lang="en-US" altLang="ko-KR" sz="1200" dirty="0"/>
-                        <a:t>User</a:t>
+                        <a:t>Users</a:t>
                       </a:r>
                     </a:p>
                   </a:txBody>
@@ -4408,7 +4537,7 @@
                       <a:pPr latinLnBrk="1"/>
                       <a:r>
                         <a:rPr lang="en-US" altLang="ko-KR" sz="1200" dirty="0"/>
-                        <a:t>int(11)</a:t>
+                        <a:t>int</a:t>
                       </a:r>
                       <a:endParaRPr lang="ko-KR" altLang="en-US" sz="1200" dirty="0"/>
                     </a:p>
@@ -4548,8 +4677,23 @@
                     <a:p>
                       <a:pPr latinLnBrk="1"/>
                       <a:r>
+                        <a:rPr lang="en-US" altLang="ko-KR" sz="1200" dirty="0" err="1"/>
+                        <a:t>device_cnt</a:t>
+                      </a:r>
+                      <a:endParaRPr lang="ko-KR" altLang="en-US" sz="1200" dirty="0"/>
+                    </a:p>
+                  </a:txBody>
+                  <a:tcPr/>
+                </a:tc>
+                <a:tc>
+                  <a:txBody>
+                    <a:bodyPr/>
+                    <a:lstStyle/>
+                    <a:p>
+                      <a:pPr latinLnBrk="1"/>
+                      <a:r>
                         <a:rPr lang="en-US" altLang="ko-KR" sz="1200" dirty="0"/>
-                        <a:t>…</a:t>
+                        <a:t>int</a:t>
                       </a:r>
                       <a:endParaRPr lang="ko-KR" altLang="en-US" sz="1200" dirty="0"/>
                     </a:p>
@@ -4562,18 +4706,10 @@
                     <a:lstStyle/>
                     <a:p>
                       <a:pPr latinLnBrk="1"/>
-                      <a:endParaRPr lang="ko-KR" altLang="en-US" sz="1200" dirty="0"/>
-                    </a:p>
-                  </a:txBody>
-                  <a:tcPr/>
-                </a:tc>
-                <a:tc>
-                  <a:txBody>
-                    <a:bodyPr/>
-                    <a:lstStyle/>
-                    <a:p>
-                      <a:pPr latinLnBrk="1"/>
-                      <a:endParaRPr lang="ko-KR" altLang="en-US" sz="1200" dirty="0"/>
+                      <a:r>
+                        <a:rPr lang="en-US" altLang="ko-KR" sz="1200" dirty="0"/>
+                        <a:t>Not null</a:t>
+                      </a:r>
                     </a:p>
                   </a:txBody>
                   <a:tcPr/>
@@ -4628,6 +4764,43 @@
           </a:p>
         </p:txBody>
       </p:sp>
+      <p:pic>
+        <p:nvPicPr>
+          <p:cNvPr id="3" name="그림 2">
+            <a:extLst>
+              <a:ext uri="{FF2B5EF4-FFF2-40B4-BE49-F238E27FC236}">
+                <a16:creationId xmlns:a16="http://schemas.microsoft.com/office/drawing/2014/main" id="{A46468E8-88E0-A049-942D-C9FC40F8D785}"/>
+              </a:ext>
+            </a:extLst>
+          </p:cNvPr>
+          <p:cNvPicPr>
+            <a:picLocks noChangeAspect="1"/>
+          </p:cNvPicPr>
+          <p:nvPr/>
+        </p:nvPicPr>
+        <p:blipFill>
+          <a:blip r:embed="rId2"/>
+          <a:stretch>
+            <a:fillRect/>
+          </a:stretch>
+        </p:blipFill>
+        <p:spPr>
+          <a:xfrm>
+            <a:off x="215153" y="168699"/>
+            <a:ext cx="4554071" cy="6520602"/>
+          </a:xfrm>
+          <a:prstGeom prst="rect">
+            <a:avLst/>
+          </a:prstGeom>
+          <a:effectLst>
+            <a:outerShdw blurRad="127000" dist="38100" algn="tl" rotWithShape="0">
+              <a:prstClr val="black">
+                <a:alpha val="40000"/>
+              </a:prstClr>
+            </a:outerShdw>
+          </a:effectLst>
+        </p:spPr>
+      </p:pic>
     </p:spTree>
     <p:extLst>
       <p:ext uri="{BB962C8B-B14F-4D97-AF65-F5344CB8AC3E}">
@@ -4641,7 +4814,7 @@
 </p:sld>
 </file>
 
-<file path=ppt/slides/slide3.xml><?xml version="1.0" encoding="utf-8"?>
+<file path=ppt/slides/slide4.xml><?xml version="1.0" encoding="utf-8"?>
 <p:sld xmlns:a="http://schemas.openxmlformats.org/drawingml/2006/main" xmlns:r="http://schemas.openxmlformats.org/officeDocument/2006/relationships" xmlns:p="http://schemas.openxmlformats.org/presentationml/2006/main">
   <p:cSld>
     <p:spTree>
@@ -4701,7 +4874,7 @@
 </p:sld>
 </file>
 
-<file path=ppt/slides/slide4.xml><?xml version="1.0" encoding="utf-8"?>
+<file path=ppt/slides/slide5.xml><?xml version="1.0" encoding="utf-8"?>
 <p:sld xmlns:a="http://schemas.openxmlformats.org/drawingml/2006/main" xmlns:r="http://schemas.openxmlformats.org/officeDocument/2006/relationships" xmlns:p="http://schemas.openxmlformats.org/presentationml/2006/main">
   <p:cSld>
     <p:spTree>
@@ -5741,7 +5914,7 @@
 </p:sld>
 </file>
 
-<file path=ppt/slides/slide5.xml><?xml version="1.0" encoding="utf-8"?>
+<file path=ppt/slides/slide6.xml><?xml version="1.0" encoding="utf-8"?>
 <p:sld xmlns:a="http://schemas.openxmlformats.org/drawingml/2006/main" xmlns:r="http://schemas.openxmlformats.org/officeDocument/2006/relationships" xmlns:p="http://schemas.openxmlformats.org/presentationml/2006/main">
   <p:cSld>
     <p:spTree>
@@ -7611,7 +7784,7 @@
 </p:sld>
 </file>
 
-<file path=ppt/slides/slide6.xml><?xml version="1.0" encoding="utf-8"?>
+<file path=ppt/slides/slide7.xml><?xml version="1.0" encoding="utf-8"?>
 <p:sld xmlns:a="http://schemas.openxmlformats.org/drawingml/2006/main" xmlns:r="http://schemas.openxmlformats.org/officeDocument/2006/relationships" xmlns:p="http://schemas.openxmlformats.org/presentationml/2006/main">
   <p:cSld>
     <p:spTree>
@@ -9458,7 +9631,7 @@
 </p:sld>
 </file>
 
-<file path=ppt/slides/slide7.xml><?xml version="1.0" encoding="utf-8"?>
+<file path=ppt/slides/slide8.xml><?xml version="1.0" encoding="utf-8"?>
 <p:sld xmlns:a="http://schemas.openxmlformats.org/drawingml/2006/main" xmlns:r="http://schemas.openxmlformats.org/officeDocument/2006/relationships" xmlns:p="http://schemas.openxmlformats.org/presentationml/2006/main">
   <p:cSld>
     <p:spTree>
@@ -9792,18 +9965,18 @@
                     <a:p>
                       <a:pPr algn="ctr" fontAlgn="ctr"/>
                       <a:r>
-                        <a:rPr lang="ko-KR" altLang="en-US" sz="1100" u="none" strike="noStrike">
+                        <a:rPr lang="ko-KR" altLang="en-US" sz="1100" u="none" strike="noStrike" dirty="0">
                           <a:effectLst/>
                         </a:rPr>
                         <a:t>트랩 정보는 설치 날짜를 기준으로 정렬한다</a:t>
                       </a:r>
                       <a:r>
-                        <a:rPr lang="en-US" altLang="ko-KR" sz="1100" u="none" strike="noStrike">
+                        <a:rPr lang="en-US" altLang="ko-KR" sz="1100" u="none" strike="noStrike" dirty="0">
                           <a:effectLst/>
                         </a:rPr>
                         <a:t>.</a:t>
                       </a:r>
-                      <a:endParaRPr lang="en-US" altLang="ko-KR" sz="1100" b="0" i="0" u="none" strike="noStrike">
+                      <a:endParaRPr lang="en-US" altLang="ko-KR" sz="1100" b="0" i="0" u="none" strike="noStrike" dirty="0">
                         <a:solidFill>
                           <a:srgbClr val="000000"/>
                         </a:solidFill>
@@ -9851,30 +10024,30 @@
                     <a:p>
                       <a:pPr algn="ctr" fontAlgn="ctr"/>
                       <a:r>
-                        <a:rPr lang="ko-KR" altLang="en-US" sz="1100" u="none" strike="noStrike">
+                        <a:rPr lang="ko-KR" altLang="en-US" sz="1100" u="none" strike="noStrike" dirty="0">
                           <a:effectLst/>
                         </a:rPr>
                         <a:t>한 페이지에 </a:t>
                       </a:r>
                       <a:r>
-                        <a:rPr lang="en-US" altLang="ko-KR" sz="1100" u="none" strike="noStrike">
+                        <a:rPr lang="en-US" altLang="ko-KR" sz="1100" u="none" strike="noStrike" dirty="0">
                           <a:effectLst/>
                         </a:rPr>
                         <a:t>20</a:t>
                       </a:r>
                       <a:r>
-                        <a:rPr lang="ko-KR" altLang="en-US" sz="1100" u="none" strike="noStrike">
+                        <a:rPr lang="ko-KR" altLang="en-US" sz="1100" u="none" strike="noStrike" dirty="0">
                           <a:effectLst/>
                         </a:rPr>
                         <a:t>개의 정보를 보여준다</a:t>
                       </a:r>
                       <a:r>
-                        <a:rPr lang="en-US" altLang="ko-KR" sz="1100" u="none" strike="noStrike">
+                        <a:rPr lang="en-US" altLang="ko-KR" sz="1100" u="none" strike="noStrike" dirty="0">
                           <a:effectLst/>
                         </a:rPr>
                         <a:t>.</a:t>
                       </a:r>
-                      <a:endParaRPr lang="en-US" altLang="ko-KR" sz="1100" b="0" i="0" u="none" strike="noStrike">
+                      <a:endParaRPr lang="en-US" altLang="ko-KR" sz="1100" b="0" i="0" u="none" strike="noStrike" dirty="0">
                         <a:solidFill>
                           <a:srgbClr val="000000"/>
                         </a:solidFill>
@@ -9953,18 +10126,42 @@
                     <a:p>
                       <a:pPr algn="ctr" fontAlgn="ctr"/>
                       <a:r>
-                        <a:rPr lang="ko-KR" altLang="en-US" sz="1100" u="none" strike="noStrike">
-                          <a:effectLst/>
-                        </a:rPr>
-                        <a:t>트랩 세부정보는 모달 화면으로 띄운다</a:t>
-                      </a:r>
-                      <a:r>
-                        <a:rPr lang="en-US" altLang="ko-KR" sz="1100" u="none" strike="noStrike">
+                        <a:rPr lang="ko-KR" altLang="en-US" sz="1100" u="none" strike="noStrike" dirty="0">
+                          <a:effectLst/>
+                        </a:rPr>
+                        <a:t>트랩 </a:t>
+                      </a:r>
+                      <a:r>
+                        <a:rPr lang="ko-KR" altLang="en-US" sz="1100" u="none" strike="noStrike" dirty="0" err="1">
+                          <a:effectLst/>
+                        </a:rPr>
+                        <a:t>세부정보는</a:t>
+                      </a:r>
+                      <a:r>
+                        <a:rPr lang="ko-KR" altLang="en-US" sz="1100" u="none" strike="noStrike" dirty="0">
+                          <a:effectLst/>
+                        </a:rPr>
+                        <a:t> </a:t>
+                      </a:r>
+                      <a:r>
+                        <a:rPr lang="ko-KR" altLang="en-US" sz="1100" u="none" strike="noStrike" dirty="0" err="1">
+                          <a:effectLst/>
+                        </a:rPr>
+                        <a:t>모달</a:t>
+                      </a:r>
+                      <a:r>
+                        <a:rPr lang="ko-KR" altLang="en-US" sz="1100" u="none" strike="noStrike" dirty="0">
+                          <a:effectLst/>
+                        </a:rPr>
+                        <a:t> 화면으로 띄운다</a:t>
+                      </a:r>
+                      <a:r>
+                        <a:rPr lang="en-US" altLang="ko-KR" sz="1100" u="none" strike="noStrike" dirty="0">
                           <a:effectLst/>
                         </a:rPr>
                         <a:t>.</a:t>
                       </a:r>
-                      <a:endParaRPr lang="en-US" altLang="ko-KR" sz="1100" b="0" i="0" u="none" strike="noStrike">
+                      <a:endParaRPr lang="en-US" altLang="ko-KR" sz="1100" b="0" i="0" u="none" strike="noStrike" dirty="0">
                         <a:solidFill>
                           <a:srgbClr val="000000"/>
                         </a:solidFill>
